--- a/!sergii_artemenko/Files/L01/10 - OOP (part 1) renew.pptx
+++ b/!sergii_artemenko/Files/L01/10 - OOP (part 1) renew.pptx
@@ -210,7 +210,7 @@
           <a:p>
             <a:fld id="{09FB73C3-8686-4320-B12D-BC750AE3E4B9}" type="datetimeFigureOut">
               <a:rPr lang="ru-RU"/>
-              <a:t>21.05.2018</a:t>
+              <a:t>20.09.2018</a:t>
             </a:fld>
             <a:endParaRPr lang="ru-RU"/>
           </a:p>
@@ -690,7 +690,7 @@
           <a:p>
             <a:fld id="{CBB4F01F-C4CA-475E-BAE7-510A903A0223}" type="datetimeFigureOut">
               <a:rPr lang="ru-RU" smtClean="0"/>
-              <a:t>21.05.2018</a:t>
+              <a:t>20.09.2018</a:t>
             </a:fld>
             <a:endParaRPr lang="ru-RU"/>
           </a:p>
@@ -858,7 +858,7 @@
           <a:p>
             <a:fld id="{CBB4F01F-C4CA-475E-BAE7-510A903A0223}" type="datetimeFigureOut">
               <a:rPr lang="ru-RU" smtClean="0"/>
-              <a:t>21.05.2018</a:t>
+              <a:t>20.09.2018</a:t>
             </a:fld>
             <a:endParaRPr lang="ru-RU"/>
           </a:p>
@@ -1036,7 +1036,7 @@
           <a:p>
             <a:fld id="{CBB4F01F-C4CA-475E-BAE7-510A903A0223}" type="datetimeFigureOut">
               <a:rPr lang="ru-RU" smtClean="0"/>
-              <a:t>21.05.2018</a:t>
+              <a:t>20.09.2018</a:t>
             </a:fld>
             <a:endParaRPr lang="ru-RU"/>
           </a:p>
@@ -1204,7 +1204,7 @@
           <a:p>
             <a:fld id="{CBB4F01F-C4CA-475E-BAE7-510A903A0223}" type="datetimeFigureOut">
               <a:rPr lang="ru-RU" smtClean="0"/>
-              <a:t>21.05.2018</a:t>
+              <a:t>20.09.2018</a:t>
             </a:fld>
             <a:endParaRPr lang="ru-RU"/>
           </a:p>
@@ -1449,7 +1449,7 @@
           <a:p>
             <a:fld id="{CBB4F01F-C4CA-475E-BAE7-510A903A0223}" type="datetimeFigureOut">
               <a:rPr lang="ru-RU" smtClean="0"/>
-              <a:t>21.05.2018</a:t>
+              <a:t>20.09.2018</a:t>
             </a:fld>
             <a:endParaRPr lang="ru-RU"/>
           </a:p>
@@ -1678,7 +1678,7 @@
           <a:p>
             <a:fld id="{CBB4F01F-C4CA-475E-BAE7-510A903A0223}" type="datetimeFigureOut">
               <a:rPr lang="ru-RU" smtClean="0"/>
-              <a:t>21.05.2018</a:t>
+              <a:t>20.09.2018</a:t>
             </a:fld>
             <a:endParaRPr lang="ru-RU"/>
           </a:p>
@@ -2042,7 +2042,7 @@
           <a:p>
             <a:fld id="{CBB4F01F-C4CA-475E-BAE7-510A903A0223}" type="datetimeFigureOut">
               <a:rPr lang="ru-RU" smtClean="0"/>
-              <a:t>21.05.2018</a:t>
+              <a:t>20.09.2018</a:t>
             </a:fld>
             <a:endParaRPr lang="ru-RU"/>
           </a:p>
@@ -2159,7 +2159,7 @@
           <a:p>
             <a:fld id="{CBB4F01F-C4CA-475E-BAE7-510A903A0223}" type="datetimeFigureOut">
               <a:rPr lang="ru-RU" smtClean="0"/>
-              <a:t>21.05.2018</a:t>
+              <a:t>20.09.2018</a:t>
             </a:fld>
             <a:endParaRPr lang="ru-RU"/>
           </a:p>
@@ -2254,7 +2254,7 @@
           <a:p>
             <a:fld id="{CBB4F01F-C4CA-475E-BAE7-510A903A0223}" type="datetimeFigureOut">
               <a:rPr lang="ru-RU" smtClean="0"/>
-              <a:t>21.05.2018</a:t>
+              <a:t>20.09.2018</a:t>
             </a:fld>
             <a:endParaRPr lang="ru-RU"/>
           </a:p>
@@ -2529,7 +2529,7 @@
           <a:p>
             <a:fld id="{CBB4F01F-C4CA-475E-BAE7-510A903A0223}" type="datetimeFigureOut">
               <a:rPr lang="ru-RU" smtClean="0"/>
-              <a:t>21.05.2018</a:t>
+              <a:t>20.09.2018</a:t>
             </a:fld>
             <a:endParaRPr lang="ru-RU"/>
           </a:p>
@@ -2781,7 +2781,7 @@
           <a:p>
             <a:fld id="{CBB4F01F-C4CA-475E-BAE7-510A903A0223}" type="datetimeFigureOut">
               <a:rPr lang="ru-RU" smtClean="0"/>
-              <a:t>21.05.2018</a:t>
+              <a:t>20.09.2018</a:t>
             </a:fld>
             <a:endParaRPr lang="ru-RU"/>
           </a:p>
@@ -3001,7 +3001,7 @@
           <a:p>
             <a:fld id="{CBB4F01F-C4CA-475E-BAE7-510A903A0223}" type="datetimeFigureOut">
               <a:rPr lang="ru-RU" smtClean="0"/>
-              <a:t>21.05.2018</a:t>
+              <a:t>20.09.2018</a:t>
             </a:fld>
             <a:endParaRPr lang="ru-RU"/>
           </a:p>
@@ -3415,7 +3415,7 @@
         <p:spPr>
           <a:xfrm>
             <a:off x="1663849" y="1905506"/>
-            <a:ext cx="9036424" cy="2308324"/>
+            <a:ext cx="9036424" cy="830997"/>
           </a:xfrm>
           <a:prstGeom prst="rect">
             <a:avLst/>
@@ -3430,7 +3430,7 @@
           <a:p>
             <a:pPr algn="ctr"/>
             <a:r>
-              <a:rPr lang="en-US" sz="4800" b="1" dirty="0" smtClean="0">
+              <a:rPr lang="ru-RU" sz="4800" b="1" dirty="0" smtClean="0">
                 <a:solidFill>
                   <a:schemeClr val="accent1">
                     <a:lumMod val="75000"/>
@@ -3439,7 +3439,7 @@
                 <a:latin typeface="Times New Roman" panose="02020603050405020304" pitchFamily="18" charset="0"/>
                 <a:cs typeface="Times New Roman" panose="02020603050405020304" pitchFamily="18" charset="0"/>
               </a:rPr>
-              <a:t>Introduction/Elementary </a:t>
+              <a:t>Классы</a:t>
             </a:r>
             <a:r>
               <a:rPr lang="ru-RU" sz="4800" b="1" dirty="0">
@@ -3451,46 +3451,7 @@
                 <a:latin typeface="Times New Roman" panose="02020603050405020304" pitchFamily="18" charset="0"/>
                 <a:cs typeface="Times New Roman" panose="02020603050405020304" pitchFamily="18" charset="0"/>
               </a:rPr>
-              <a:t>С</a:t>
-            </a:r>
-            <a:r>
-              <a:rPr lang="ru-RU" sz="4800" b="1" dirty="0" smtClean="0">
-                <a:solidFill>
-                  <a:schemeClr val="accent1">
-                    <a:lumMod val="75000"/>
-                  </a:schemeClr>
-                </a:solidFill>
-                <a:latin typeface="Times New Roman" panose="02020603050405020304" pitchFamily="18" charset="0"/>
-                <a:cs typeface="Times New Roman" panose="02020603050405020304" pitchFamily="18" charset="0"/>
-              </a:rPr>
-              <a:t>#</a:t>
-            </a:r>
-          </a:p>
-          <a:p>
-            <a:pPr algn="ctr"/>
-            <a:endParaRPr lang="en-US" sz="4800" b="1" dirty="0">
-              <a:solidFill>
-                <a:schemeClr val="accent1">
-                  <a:lumMod val="75000"/>
-                </a:schemeClr>
-              </a:solidFill>
-              <a:latin typeface="Times New Roman" panose="02020603050405020304" pitchFamily="18" charset="0"/>
-              <a:cs typeface="Times New Roman" panose="02020603050405020304" pitchFamily="18" charset="0"/>
-            </a:endParaRPr>
-          </a:p>
-          <a:p>
-            <a:pPr algn="ctr"/>
-            <a:r>
-              <a:rPr lang="ru-RU" sz="4800" b="1" dirty="0">
-                <a:solidFill>
-                  <a:schemeClr val="accent1">
-                    <a:lumMod val="75000"/>
-                  </a:schemeClr>
-                </a:solidFill>
-                <a:latin typeface="Times New Roman" panose="02020603050405020304" pitchFamily="18" charset="0"/>
-                <a:cs typeface="Times New Roman" panose="02020603050405020304" pitchFamily="18" charset="0"/>
-              </a:rPr>
-              <a:t>Классы. </a:t>
+              <a:t>. </a:t>
             </a:r>
             <a:r>
               <a:rPr lang="ru-RU" sz="4800" dirty="0">
@@ -3677,6 +3638,57 @@
               <a:t>.</a:t>
             </a:r>
             <a:endParaRPr lang="ru-RU" dirty="0">
+              <a:latin typeface="Times New Roman" panose="02020603050405020304" pitchFamily="18" charset="0"/>
+              <a:cs typeface="Times New Roman" panose="02020603050405020304" pitchFamily="18" charset="0"/>
+            </a:endParaRPr>
+          </a:p>
+        </p:txBody>
+      </p:sp>
+      <p:sp>
+        <p:nvSpPr>
+          <p:cNvPr id="7" name="Прямоугольник 5"/>
+          <p:cNvSpPr/>
+          <p:nvPr/>
+        </p:nvSpPr>
+        <p:spPr>
+          <a:xfrm>
+            <a:off x="358588" y="313086"/>
+            <a:ext cx="6096000" cy="369332"/>
+          </a:xfrm>
+          <a:prstGeom prst="rect">
+            <a:avLst/>
+          </a:prstGeom>
+        </p:spPr>
+        <p:txBody>
+          <a:bodyPr>
+            <a:spAutoFit/>
+          </a:bodyPr>
+          <a:lstStyle/>
+          <a:p>
+            <a:r>
+              <a:rPr lang="en-US" b="1" dirty="0">
+                <a:solidFill>
+                  <a:srgbClr val="333333"/>
+                </a:solidFill>
+                <a:latin typeface="Times New Roman" panose="02020603050405020304" pitchFamily="18" charset="0"/>
+                <a:cs typeface="Times New Roman" panose="02020603050405020304" pitchFamily="18" charset="0"/>
+              </a:rPr>
+              <a:t>Elementary </a:t>
+            </a:r>
+            <a:r>
+              <a:rPr lang="ru-RU" b="1" dirty="0">
+                <a:solidFill>
+                  <a:srgbClr val="333333"/>
+                </a:solidFill>
+                <a:latin typeface="Times New Roman" panose="02020603050405020304" pitchFamily="18" charset="0"/>
+                <a:cs typeface="Times New Roman" panose="02020603050405020304" pitchFamily="18" charset="0"/>
+              </a:rPr>
+              <a:t>С#</a:t>
+            </a:r>
+            <a:endParaRPr lang="ru-RU" b="1" dirty="0">
+              <a:solidFill>
+                <a:srgbClr val="333333"/>
+              </a:solidFill>
               <a:latin typeface="Times New Roman" panose="02020603050405020304" pitchFamily="18" charset="0"/>
               <a:cs typeface="Times New Roman" panose="02020603050405020304" pitchFamily="18" charset="0"/>
             </a:endParaRPr>
